--- a/ppt 16-9/1011.你当依靠耶和华.pptx
+++ b/ppt 16-9/1011.你当依靠耶和华.pptx
@@ -5,7 +5,7 @@
     <p:sldMasterId id="2147483648" r:id="rId1"/>
   </p:sldMasterIdLst>
   <p:sldIdLst>
-    <p:sldId id="429" r:id="rId2"/>
+    <p:sldId id="430" r:id="rId2"/>
   </p:sldIdLst>
   <p:sldSz cx="12192000" cy="6858000"/>
   <p:notesSz cx="6858000" cy="9144000"/>
@@ -129,7 +129,7 @@
           <p:cNvPr id="2" name="标题 1">
             <a:extLst>
               <a:ext uri="{FF2B5EF4-FFF2-40B4-BE49-F238E27FC236}">
-                <a16:creationId xmlns:a16="http://schemas.microsoft.com/office/drawing/2014/main" id="{6B788476-67BE-0EB6-CF74-910F06924E04}"/>
+                <a16:creationId xmlns:a16="http://schemas.microsoft.com/office/drawing/2014/main" id="{F92C086E-3206-71C9-4049-2CFCAC91D26D}"/>
               </a:ext>
             </a:extLst>
           </p:cNvPr>
@@ -166,7 +166,7 @@
           <p:cNvPr id="3" name="副标题 2">
             <a:extLst>
               <a:ext uri="{FF2B5EF4-FFF2-40B4-BE49-F238E27FC236}">
-                <a16:creationId xmlns:a16="http://schemas.microsoft.com/office/drawing/2014/main" id="{478019AE-1B7A-0A40-8ABB-22F64D5C5F48}"/>
+                <a16:creationId xmlns:a16="http://schemas.microsoft.com/office/drawing/2014/main" id="{3DB7A07B-75A4-1C63-4BDC-BB443F81D9B4}"/>
               </a:ext>
             </a:extLst>
           </p:cNvPr>
@@ -236,7 +236,7 @@
           <p:cNvPr id="4" name="日期占位符 3">
             <a:extLst>
               <a:ext uri="{FF2B5EF4-FFF2-40B4-BE49-F238E27FC236}">
-                <a16:creationId xmlns:a16="http://schemas.microsoft.com/office/drawing/2014/main" id="{1E691A06-6BD9-5641-1576-FBB9974B01B2}"/>
+                <a16:creationId xmlns:a16="http://schemas.microsoft.com/office/drawing/2014/main" id="{BF15A97A-6621-CFCF-C3DA-2FF5568287FA}"/>
               </a:ext>
             </a:extLst>
           </p:cNvPr>
@@ -252,7 +252,7 @@
           <a:bodyPr/>
           <a:lstStyle/>
           <a:p>
-            <a:fld id="{641A6373-1A14-455B-9F88-B347D3E42F45}" type="datetimeFigureOut">
+            <a:fld id="{430F4EDD-C4CE-4587-9973-B6B32C24CBD2}" type="datetimeFigureOut">
               <a:rPr lang="zh-CN" altLang="en-US" smtClean="0"/>
               <a:t>2024/3/10</a:t>
             </a:fld>
@@ -265,7 +265,7 @@
           <p:cNvPr id="5" name="页脚占位符 4">
             <a:extLst>
               <a:ext uri="{FF2B5EF4-FFF2-40B4-BE49-F238E27FC236}">
-                <a16:creationId xmlns:a16="http://schemas.microsoft.com/office/drawing/2014/main" id="{5806686D-7150-89CC-271E-D5823469282C}"/>
+                <a16:creationId xmlns:a16="http://schemas.microsoft.com/office/drawing/2014/main" id="{3DB72BCE-1028-0A82-28B1-7CD3DA230B68}"/>
               </a:ext>
             </a:extLst>
           </p:cNvPr>
@@ -290,7 +290,7 @@
           <p:cNvPr id="6" name="灯片编号占位符 5">
             <a:extLst>
               <a:ext uri="{FF2B5EF4-FFF2-40B4-BE49-F238E27FC236}">
-                <a16:creationId xmlns:a16="http://schemas.microsoft.com/office/drawing/2014/main" id="{09C57702-440F-9B93-E2BE-2898A3D69FE3}"/>
+                <a16:creationId xmlns:a16="http://schemas.microsoft.com/office/drawing/2014/main" id="{9B31C555-9B3D-2F25-5C5C-47609B3614C2}"/>
               </a:ext>
             </a:extLst>
           </p:cNvPr>
@@ -306,7 +306,7 @@
           <a:bodyPr/>
           <a:lstStyle/>
           <a:p>
-            <a:fld id="{BC77F16F-1DE8-4315-875A-D8AB61DCF5CD}" type="slidenum">
+            <a:fld id="{CB7BEEB3-93AC-4DD3-9626-23FBB301927F}" type="slidenum">
               <a:rPr lang="zh-CN" altLang="en-US" smtClean="0"/>
               <a:t>‹#›</a:t>
             </a:fld>
@@ -317,7 +317,7 @@
     </p:spTree>
     <p:extLst>
       <p:ext uri="{BB962C8B-B14F-4D97-AF65-F5344CB8AC3E}">
-        <p14:creationId xmlns:p14="http://schemas.microsoft.com/office/powerpoint/2010/main" val="800489927"/>
+        <p14:creationId xmlns:p14="http://schemas.microsoft.com/office/powerpoint/2010/main" val="4002044248"/>
       </p:ext>
     </p:extLst>
   </p:cSld>
@@ -349,7 +349,7 @@
           <p:cNvPr id="2" name="标题 1">
             <a:extLst>
               <a:ext uri="{FF2B5EF4-FFF2-40B4-BE49-F238E27FC236}">
-                <a16:creationId xmlns:a16="http://schemas.microsoft.com/office/drawing/2014/main" id="{BA2340D1-B45B-ADBA-9FCA-72C92DFF6388}"/>
+                <a16:creationId xmlns:a16="http://schemas.microsoft.com/office/drawing/2014/main" id="{7FDFE561-9FFD-E16A-15EA-80184BFC6CC0}"/>
               </a:ext>
             </a:extLst>
           </p:cNvPr>
@@ -377,7 +377,7 @@
           <p:cNvPr id="3" name="竖排文字占位符 2">
             <a:extLst>
               <a:ext uri="{FF2B5EF4-FFF2-40B4-BE49-F238E27FC236}">
-                <a16:creationId xmlns:a16="http://schemas.microsoft.com/office/drawing/2014/main" id="{08F1CF44-BEF1-6FF9-49ED-322D8A9C23ED}"/>
+                <a16:creationId xmlns:a16="http://schemas.microsoft.com/office/drawing/2014/main" id="{5FCB09D8-CF84-0F95-6B93-B6D12A9485B9}"/>
               </a:ext>
             </a:extLst>
           </p:cNvPr>
@@ -434,7 +434,7 @@
           <p:cNvPr id="4" name="日期占位符 3">
             <a:extLst>
               <a:ext uri="{FF2B5EF4-FFF2-40B4-BE49-F238E27FC236}">
-                <a16:creationId xmlns:a16="http://schemas.microsoft.com/office/drawing/2014/main" id="{89427B87-FC8F-E027-CC88-561B7A00B9C8}"/>
+                <a16:creationId xmlns:a16="http://schemas.microsoft.com/office/drawing/2014/main" id="{371BBAC1-6B69-48C0-8060-3D9065B4FF21}"/>
               </a:ext>
             </a:extLst>
           </p:cNvPr>
@@ -450,7 +450,7 @@
           <a:bodyPr/>
           <a:lstStyle/>
           <a:p>
-            <a:fld id="{641A6373-1A14-455B-9F88-B347D3E42F45}" type="datetimeFigureOut">
+            <a:fld id="{430F4EDD-C4CE-4587-9973-B6B32C24CBD2}" type="datetimeFigureOut">
               <a:rPr lang="zh-CN" altLang="en-US" smtClean="0"/>
               <a:t>2024/3/10</a:t>
             </a:fld>
@@ -463,7 +463,7 @@
           <p:cNvPr id="5" name="页脚占位符 4">
             <a:extLst>
               <a:ext uri="{FF2B5EF4-FFF2-40B4-BE49-F238E27FC236}">
-                <a16:creationId xmlns:a16="http://schemas.microsoft.com/office/drawing/2014/main" id="{55A0E8F2-F525-2EA1-EB8B-A8682675912D}"/>
+                <a16:creationId xmlns:a16="http://schemas.microsoft.com/office/drawing/2014/main" id="{360F34AD-22CD-7CD9-E741-6C63D07C7A7C}"/>
               </a:ext>
             </a:extLst>
           </p:cNvPr>
@@ -488,7 +488,7 @@
           <p:cNvPr id="6" name="灯片编号占位符 5">
             <a:extLst>
               <a:ext uri="{FF2B5EF4-FFF2-40B4-BE49-F238E27FC236}">
-                <a16:creationId xmlns:a16="http://schemas.microsoft.com/office/drawing/2014/main" id="{272E03F3-0AAA-E7FC-B795-D43DB76D7B9C}"/>
+                <a16:creationId xmlns:a16="http://schemas.microsoft.com/office/drawing/2014/main" id="{AF93EBBB-3CB6-213F-0A2C-8AFB54133372}"/>
               </a:ext>
             </a:extLst>
           </p:cNvPr>
@@ -504,7 +504,7 @@
           <a:bodyPr/>
           <a:lstStyle/>
           <a:p>
-            <a:fld id="{BC77F16F-1DE8-4315-875A-D8AB61DCF5CD}" type="slidenum">
+            <a:fld id="{CB7BEEB3-93AC-4DD3-9626-23FBB301927F}" type="slidenum">
               <a:rPr lang="zh-CN" altLang="en-US" smtClean="0"/>
               <a:t>‹#›</a:t>
             </a:fld>
@@ -515,7 +515,7 @@
     </p:spTree>
     <p:extLst>
       <p:ext uri="{BB962C8B-B14F-4D97-AF65-F5344CB8AC3E}">
-        <p14:creationId xmlns:p14="http://schemas.microsoft.com/office/powerpoint/2010/main" val="3026903252"/>
+        <p14:creationId xmlns:p14="http://schemas.microsoft.com/office/powerpoint/2010/main" val="366311693"/>
       </p:ext>
     </p:extLst>
   </p:cSld>
@@ -547,7 +547,7 @@
           <p:cNvPr id="2" name="竖排标题 1">
             <a:extLst>
               <a:ext uri="{FF2B5EF4-FFF2-40B4-BE49-F238E27FC236}">
-                <a16:creationId xmlns:a16="http://schemas.microsoft.com/office/drawing/2014/main" id="{2BEA07DD-BACB-CFF9-AA50-3E610FAAE0B2}"/>
+                <a16:creationId xmlns:a16="http://schemas.microsoft.com/office/drawing/2014/main" id="{6C8A4E85-40DA-2215-3B0E-ED7569273FBA}"/>
               </a:ext>
             </a:extLst>
           </p:cNvPr>
@@ -580,7 +580,7 @@
           <p:cNvPr id="3" name="竖排文字占位符 2">
             <a:extLst>
               <a:ext uri="{FF2B5EF4-FFF2-40B4-BE49-F238E27FC236}">
-                <a16:creationId xmlns:a16="http://schemas.microsoft.com/office/drawing/2014/main" id="{A97A2228-4FB8-9768-AD55-F7B37331433C}"/>
+                <a16:creationId xmlns:a16="http://schemas.microsoft.com/office/drawing/2014/main" id="{039F0B90-B993-8F4D-3A51-5F7F569CC8F5}"/>
               </a:ext>
             </a:extLst>
           </p:cNvPr>
@@ -642,7 +642,7 @@
           <p:cNvPr id="4" name="日期占位符 3">
             <a:extLst>
               <a:ext uri="{FF2B5EF4-FFF2-40B4-BE49-F238E27FC236}">
-                <a16:creationId xmlns:a16="http://schemas.microsoft.com/office/drawing/2014/main" id="{575E28FC-8B0B-1A6B-B51D-06935B254E49}"/>
+                <a16:creationId xmlns:a16="http://schemas.microsoft.com/office/drawing/2014/main" id="{8D7D9C69-57D7-1AE4-9D1E-B46A12015E89}"/>
               </a:ext>
             </a:extLst>
           </p:cNvPr>
@@ -658,7 +658,7 @@
           <a:bodyPr/>
           <a:lstStyle/>
           <a:p>
-            <a:fld id="{641A6373-1A14-455B-9F88-B347D3E42F45}" type="datetimeFigureOut">
+            <a:fld id="{430F4EDD-C4CE-4587-9973-B6B32C24CBD2}" type="datetimeFigureOut">
               <a:rPr lang="zh-CN" altLang="en-US" smtClean="0"/>
               <a:t>2024/3/10</a:t>
             </a:fld>
@@ -671,7 +671,7 @@
           <p:cNvPr id="5" name="页脚占位符 4">
             <a:extLst>
               <a:ext uri="{FF2B5EF4-FFF2-40B4-BE49-F238E27FC236}">
-                <a16:creationId xmlns:a16="http://schemas.microsoft.com/office/drawing/2014/main" id="{43A81B72-80D2-EEAB-CA5D-C8A8C43C0603}"/>
+                <a16:creationId xmlns:a16="http://schemas.microsoft.com/office/drawing/2014/main" id="{647AB91F-F106-0204-9B22-8D6FA052BD4D}"/>
               </a:ext>
             </a:extLst>
           </p:cNvPr>
@@ -696,7 +696,7 @@
           <p:cNvPr id="6" name="灯片编号占位符 5">
             <a:extLst>
               <a:ext uri="{FF2B5EF4-FFF2-40B4-BE49-F238E27FC236}">
-                <a16:creationId xmlns:a16="http://schemas.microsoft.com/office/drawing/2014/main" id="{40736560-0535-9163-0ACE-C90F86681641}"/>
+                <a16:creationId xmlns:a16="http://schemas.microsoft.com/office/drawing/2014/main" id="{70320026-B554-E5FF-7DF4-6FB863F916E2}"/>
               </a:ext>
             </a:extLst>
           </p:cNvPr>
@@ -712,7 +712,7 @@
           <a:bodyPr/>
           <a:lstStyle/>
           <a:p>
-            <a:fld id="{BC77F16F-1DE8-4315-875A-D8AB61DCF5CD}" type="slidenum">
+            <a:fld id="{CB7BEEB3-93AC-4DD3-9626-23FBB301927F}" type="slidenum">
               <a:rPr lang="zh-CN" altLang="en-US" smtClean="0"/>
               <a:t>‹#›</a:t>
             </a:fld>
@@ -723,7 +723,7 @@
     </p:spTree>
     <p:extLst>
       <p:ext uri="{BB962C8B-B14F-4D97-AF65-F5344CB8AC3E}">
-        <p14:creationId xmlns:p14="http://schemas.microsoft.com/office/powerpoint/2010/main" val="2350202092"/>
+        <p14:creationId xmlns:p14="http://schemas.microsoft.com/office/powerpoint/2010/main" val="3158030331"/>
       </p:ext>
     </p:extLst>
   </p:cSld>
@@ -755,7 +755,7 @@
           <p:cNvPr id="2" name="标题 1">
             <a:extLst>
               <a:ext uri="{FF2B5EF4-FFF2-40B4-BE49-F238E27FC236}">
-                <a16:creationId xmlns:a16="http://schemas.microsoft.com/office/drawing/2014/main" id="{A173B648-BDED-568F-026D-3BD82DCF6353}"/>
+                <a16:creationId xmlns:a16="http://schemas.microsoft.com/office/drawing/2014/main" id="{B1FB3206-86F5-3A6A-7317-32FA7E73C8AC}"/>
               </a:ext>
             </a:extLst>
           </p:cNvPr>
@@ -783,7 +783,7 @@
           <p:cNvPr id="3" name="内容占位符 2">
             <a:extLst>
               <a:ext uri="{FF2B5EF4-FFF2-40B4-BE49-F238E27FC236}">
-                <a16:creationId xmlns:a16="http://schemas.microsoft.com/office/drawing/2014/main" id="{450CF868-7B16-6C25-18E6-F8E5AA82BB69}"/>
+                <a16:creationId xmlns:a16="http://schemas.microsoft.com/office/drawing/2014/main" id="{99E7548A-D676-A28E-44CA-82329C5601BF}"/>
               </a:ext>
             </a:extLst>
           </p:cNvPr>
@@ -840,7 +840,7 @@
           <p:cNvPr id="4" name="日期占位符 3">
             <a:extLst>
               <a:ext uri="{FF2B5EF4-FFF2-40B4-BE49-F238E27FC236}">
-                <a16:creationId xmlns:a16="http://schemas.microsoft.com/office/drawing/2014/main" id="{DBA2250E-4824-F360-0CA4-00AF4D80D906}"/>
+                <a16:creationId xmlns:a16="http://schemas.microsoft.com/office/drawing/2014/main" id="{1829DF60-96EB-46AE-4F03-AA2AD0434ECE}"/>
               </a:ext>
             </a:extLst>
           </p:cNvPr>
@@ -856,7 +856,7 @@
           <a:bodyPr/>
           <a:lstStyle/>
           <a:p>
-            <a:fld id="{641A6373-1A14-455B-9F88-B347D3E42F45}" type="datetimeFigureOut">
+            <a:fld id="{430F4EDD-C4CE-4587-9973-B6B32C24CBD2}" type="datetimeFigureOut">
               <a:rPr lang="zh-CN" altLang="en-US" smtClean="0"/>
               <a:t>2024/3/10</a:t>
             </a:fld>
@@ -869,7 +869,7 @@
           <p:cNvPr id="5" name="页脚占位符 4">
             <a:extLst>
               <a:ext uri="{FF2B5EF4-FFF2-40B4-BE49-F238E27FC236}">
-                <a16:creationId xmlns:a16="http://schemas.microsoft.com/office/drawing/2014/main" id="{7B200F77-8202-9B17-7F05-25ACAB8329D5}"/>
+                <a16:creationId xmlns:a16="http://schemas.microsoft.com/office/drawing/2014/main" id="{CEF24ECC-B10F-CC42-38D3-9C175FBDED8A}"/>
               </a:ext>
             </a:extLst>
           </p:cNvPr>
@@ -894,7 +894,7 @@
           <p:cNvPr id="6" name="灯片编号占位符 5">
             <a:extLst>
               <a:ext uri="{FF2B5EF4-FFF2-40B4-BE49-F238E27FC236}">
-                <a16:creationId xmlns:a16="http://schemas.microsoft.com/office/drawing/2014/main" id="{213990B7-7BAA-6033-4A92-99A2DBA8892A}"/>
+                <a16:creationId xmlns:a16="http://schemas.microsoft.com/office/drawing/2014/main" id="{5215DB42-4855-D00C-703B-7A0C9B626D89}"/>
               </a:ext>
             </a:extLst>
           </p:cNvPr>
@@ -910,7 +910,7 @@
           <a:bodyPr/>
           <a:lstStyle/>
           <a:p>
-            <a:fld id="{BC77F16F-1DE8-4315-875A-D8AB61DCF5CD}" type="slidenum">
+            <a:fld id="{CB7BEEB3-93AC-4DD3-9626-23FBB301927F}" type="slidenum">
               <a:rPr lang="zh-CN" altLang="en-US" smtClean="0"/>
               <a:t>‹#›</a:t>
             </a:fld>
@@ -921,7 +921,7 @@
     </p:spTree>
     <p:extLst>
       <p:ext uri="{BB962C8B-B14F-4D97-AF65-F5344CB8AC3E}">
-        <p14:creationId xmlns:p14="http://schemas.microsoft.com/office/powerpoint/2010/main" val="2249676502"/>
+        <p14:creationId xmlns:p14="http://schemas.microsoft.com/office/powerpoint/2010/main" val="1668947904"/>
       </p:ext>
     </p:extLst>
   </p:cSld>
@@ -953,7 +953,7 @@
           <p:cNvPr id="2" name="标题 1">
             <a:extLst>
               <a:ext uri="{FF2B5EF4-FFF2-40B4-BE49-F238E27FC236}">
-                <a16:creationId xmlns:a16="http://schemas.microsoft.com/office/drawing/2014/main" id="{C0A0AF3B-6C9E-E914-6C80-A04FE3281B79}"/>
+                <a16:creationId xmlns:a16="http://schemas.microsoft.com/office/drawing/2014/main" id="{21E04D90-30DE-B5F5-B525-A1EC68D15F11}"/>
               </a:ext>
             </a:extLst>
           </p:cNvPr>
@@ -990,7 +990,7 @@
           <p:cNvPr id="3" name="文本占位符 2">
             <a:extLst>
               <a:ext uri="{FF2B5EF4-FFF2-40B4-BE49-F238E27FC236}">
-                <a16:creationId xmlns:a16="http://schemas.microsoft.com/office/drawing/2014/main" id="{0D29D845-1450-AD12-D3EE-67BF3475BB21}"/>
+                <a16:creationId xmlns:a16="http://schemas.microsoft.com/office/drawing/2014/main" id="{B068F371-C518-FFD4-9A59-792BE3AE4618}"/>
               </a:ext>
             </a:extLst>
           </p:cNvPr>
@@ -1115,7 +1115,7 @@
           <p:cNvPr id="4" name="日期占位符 3">
             <a:extLst>
               <a:ext uri="{FF2B5EF4-FFF2-40B4-BE49-F238E27FC236}">
-                <a16:creationId xmlns:a16="http://schemas.microsoft.com/office/drawing/2014/main" id="{6A3A9650-073E-DA99-39DD-752072E0FC73}"/>
+                <a16:creationId xmlns:a16="http://schemas.microsoft.com/office/drawing/2014/main" id="{6EDE88A3-285E-4179-CB2B-3CBD66A0BF18}"/>
               </a:ext>
             </a:extLst>
           </p:cNvPr>
@@ -1131,7 +1131,7 @@
           <a:bodyPr/>
           <a:lstStyle/>
           <a:p>
-            <a:fld id="{641A6373-1A14-455B-9F88-B347D3E42F45}" type="datetimeFigureOut">
+            <a:fld id="{430F4EDD-C4CE-4587-9973-B6B32C24CBD2}" type="datetimeFigureOut">
               <a:rPr lang="zh-CN" altLang="en-US" smtClean="0"/>
               <a:t>2024/3/10</a:t>
             </a:fld>
@@ -1144,7 +1144,7 @@
           <p:cNvPr id="5" name="页脚占位符 4">
             <a:extLst>
               <a:ext uri="{FF2B5EF4-FFF2-40B4-BE49-F238E27FC236}">
-                <a16:creationId xmlns:a16="http://schemas.microsoft.com/office/drawing/2014/main" id="{4C5958D4-9AB5-AC9F-89B3-6ED8AA50D7B9}"/>
+                <a16:creationId xmlns:a16="http://schemas.microsoft.com/office/drawing/2014/main" id="{48717517-66CD-7165-DE1D-F37D03C13469}"/>
               </a:ext>
             </a:extLst>
           </p:cNvPr>
@@ -1169,7 +1169,7 @@
           <p:cNvPr id="6" name="灯片编号占位符 5">
             <a:extLst>
               <a:ext uri="{FF2B5EF4-FFF2-40B4-BE49-F238E27FC236}">
-                <a16:creationId xmlns:a16="http://schemas.microsoft.com/office/drawing/2014/main" id="{9CDE6997-69C7-39C9-FA3B-6A2F170AFDDD}"/>
+                <a16:creationId xmlns:a16="http://schemas.microsoft.com/office/drawing/2014/main" id="{0F72E376-B96C-95E3-C16D-70A3A2959830}"/>
               </a:ext>
             </a:extLst>
           </p:cNvPr>
@@ -1185,7 +1185,7 @@
           <a:bodyPr/>
           <a:lstStyle/>
           <a:p>
-            <a:fld id="{BC77F16F-1DE8-4315-875A-D8AB61DCF5CD}" type="slidenum">
+            <a:fld id="{CB7BEEB3-93AC-4DD3-9626-23FBB301927F}" type="slidenum">
               <a:rPr lang="zh-CN" altLang="en-US" smtClean="0"/>
               <a:t>‹#›</a:t>
             </a:fld>
@@ -1196,7 +1196,7 @@
     </p:spTree>
     <p:extLst>
       <p:ext uri="{BB962C8B-B14F-4D97-AF65-F5344CB8AC3E}">
-        <p14:creationId xmlns:p14="http://schemas.microsoft.com/office/powerpoint/2010/main" val="1657345873"/>
+        <p14:creationId xmlns:p14="http://schemas.microsoft.com/office/powerpoint/2010/main" val="954634494"/>
       </p:ext>
     </p:extLst>
   </p:cSld>
@@ -1228,7 +1228,7 @@
           <p:cNvPr id="2" name="标题 1">
             <a:extLst>
               <a:ext uri="{FF2B5EF4-FFF2-40B4-BE49-F238E27FC236}">
-                <a16:creationId xmlns:a16="http://schemas.microsoft.com/office/drawing/2014/main" id="{5129079B-BA39-A90F-3E21-1269B51FF734}"/>
+                <a16:creationId xmlns:a16="http://schemas.microsoft.com/office/drawing/2014/main" id="{E09E4B4B-EC31-0419-BDB7-176DC5393B92}"/>
               </a:ext>
             </a:extLst>
           </p:cNvPr>
@@ -1256,7 +1256,7 @@
           <p:cNvPr id="3" name="内容占位符 2">
             <a:extLst>
               <a:ext uri="{FF2B5EF4-FFF2-40B4-BE49-F238E27FC236}">
-                <a16:creationId xmlns:a16="http://schemas.microsoft.com/office/drawing/2014/main" id="{B9513D3B-4FFE-26B7-1CFC-D0D92FC3185D}"/>
+                <a16:creationId xmlns:a16="http://schemas.microsoft.com/office/drawing/2014/main" id="{9AB42465-BE59-83C5-18A7-146AAC97382A}"/>
               </a:ext>
             </a:extLst>
           </p:cNvPr>
@@ -1318,7 +1318,7 @@
           <p:cNvPr id="4" name="内容占位符 3">
             <a:extLst>
               <a:ext uri="{FF2B5EF4-FFF2-40B4-BE49-F238E27FC236}">
-                <a16:creationId xmlns:a16="http://schemas.microsoft.com/office/drawing/2014/main" id="{EEED9488-5C80-B1F4-C087-3324F231CF4C}"/>
+                <a16:creationId xmlns:a16="http://schemas.microsoft.com/office/drawing/2014/main" id="{6EE85554-0361-8D87-48FB-03F5A73676D4}"/>
               </a:ext>
             </a:extLst>
           </p:cNvPr>
@@ -1380,7 +1380,7 @@
           <p:cNvPr id="5" name="日期占位符 4">
             <a:extLst>
               <a:ext uri="{FF2B5EF4-FFF2-40B4-BE49-F238E27FC236}">
-                <a16:creationId xmlns:a16="http://schemas.microsoft.com/office/drawing/2014/main" id="{12FEDE6A-EE70-929D-9921-94F6EF7F840D}"/>
+                <a16:creationId xmlns:a16="http://schemas.microsoft.com/office/drawing/2014/main" id="{FA26C287-E270-F1FC-5859-1B436252FAB8}"/>
               </a:ext>
             </a:extLst>
           </p:cNvPr>
@@ -1396,7 +1396,7 @@
           <a:bodyPr/>
           <a:lstStyle/>
           <a:p>
-            <a:fld id="{641A6373-1A14-455B-9F88-B347D3E42F45}" type="datetimeFigureOut">
+            <a:fld id="{430F4EDD-C4CE-4587-9973-B6B32C24CBD2}" type="datetimeFigureOut">
               <a:rPr lang="zh-CN" altLang="en-US" smtClean="0"/>
               <a:t>2024/3/10</a:t>
             </a:fld>
@@ -1409,7 +1409,7 @@
           <p:cNvPr id="6" name="页脚占位符 5">
             <a:extLst>
               <a:ext uri="{FF2B5EF4-FFF2-40B4-BE49-F238E27FC236}">
-                <a16:creationId xmlns:a16="http://schemas.microsoft.com/office/drawing/2014/main" id="{494B0DCA-C10C-0BA5-0770-C4912C8B0210}"/>
+                <a16:creationId xmlns:a16="http://schemas.microsoft.com/office/drawing/2014/main" id="{E101537A-60BA-E977-A593-CE3609DC037F}"/>
               </a:ext>
             </a:extLst>
           </p:cNvPr>
@@ -1434,7 +1434,7 @@
           <p:cNvPr id="7" name="灯片编号占位符 6">
             <a:extLst>
               <a:ext uri="{FF2B5EF4-FFF2-40B4-BE49-F238E27FC236}">
-                <a16:creationId xmlns:a16="http://schemas.microsoft.com/office/drawing/2014/main" id="{0DDAF083-DB38-1325-4550-F20551E5027D}"/>
+                <a16:creationId xmlns:a16="http://schemas.microsoft.com/office/drawing/2014/main" id="{67B2D22B-DD5E-ED04-9881-36162184DF6B}"/>
               </a:ext>
             </a:extLst>
           </p:cNvPr>
@@ -1450,7 +1450,7 @@
           <a:bodyPr/>
           <a:lstStyle/>
           <a:p>
-            <a:fld id="{BC77F16F-1DE8-4315-875A-D8AB61DCF5CD}" type="slidenum">
+            <a:fld id="{CB7BEEB3-93AC-4DD3-9626-23FBB301927F}" type="slidenum">
               <a:rPr lang="zh-CN" altLang="en-US" smtClean="0"/>
               <a:t>‹#›</a:t>
             </a:fld>
@@ -1461,7 +1461,7 @@
     </p:spTree>
     <p:extLst>
       <p:ext uri="{BB962C8B-B14F-4D97-AF65-F5344CB8AC3E}">
-        <p14:creationId xmlns:p14="http://schemas.microsoft.com/office/powerpoint/2010/main" val="2120517934"/>
+        <p14:creationId xmlns:p14="http://schemas.microsoft.com/office/powerpoint/2010/main" val="401441697"/>
       </p:ext>
     </p:extLst>
   </p:cSld>
@@ -1493,7 +1493,7 @@
           <p:cNvPr id="2" name="标题 1">
             <a:extLst>
               <a:ext uri="{FF2B5EF4-FFF2-40B4-BE49-F238E27FC236}">
-                <a16:creationId xmlns:a16="http://schemas.microsoft.com/office/drawing/2014/main" id="{DED06D6D-2BCD-D163-352B-EE264667FFAE}"/>
+                <a16:creationId xmlns:a16="http://schemas.microsoft.com/office/drawing/2014/main" id="{4C2AA1E1-421C-4D1A-3DF4-B2145FA8D1AB}"/>
               </a:ext>
             </a:extLst>
           </p:cNvPr>
@@ -1526,7 +1526,7 @@
           <p:cNvPr id="3" name="文本占位符 2">
             <a:extLst>
               <a:ext uri="{FF2B5EF4-FFF2-40B4-BE49-F238E27FC236}">
-                <a16:creationId xmlns:a16="http://schemas.microsoft.com/office/drawing/2014/main" id="{E8D4EB4E-34F4-08BF-D8C8-0E5CF9DA7AEB}"/>
+                <a16:creationId xmlns:a16="http://schemas.microsoft.com/office/drawing/2014/main" id="{C60B97DC-889E-582B-5D2C-DF9A5556A83C}"/>
               </a:ext>
             </a:extLst>
           </p:cNvPr>
@@ -1597,7 +1597,7 @@
           <p:cNvPr id="4" name="内容占位符 3">
             <a:extLst>
               <a:ext uri="{FF2B5EF4-FFF2-40B4-BE49-F238E27FC236}">
-                <a16:creationId xmlns:a16="http://schemas.microsoft.com/office/drawing/2014/main" id="{5DBB1FA2-9C57-8DAD-EFBB-8F8E4A710710}"/>
+                <a16:creationId xmlns:a16="http://schemas.microsoft.com/office/drawing/2014/main" id="{B050B501-7009-B449-04D2-6E88FB49AD91}"/>
               </a:ext>
             </a:extLst>
           </p:cNvPr>
@@ -1659,7 +1659,7 @@
           <p:cNvPr id="5" name="文本占位符 4">
             <a:extLst>
               <a:ext uri="{FF2B5EF4-FFF2-40B4-BE49-F238E27FC236}">
-                <a16:creationId xmlns:a16="http://schemas.microsoft.com/office/drawing/2014/main" id="{B88D94D0-0195-EAE8-F01F-377C661DA1EF}"/>
+                <a16:creationId xmlns:a16="http://schemas.microsoft.com/office/drawing/2014/main" id="{FB73A608-735A-7C39-7F85-C487E4A4D42D}"/>
               </a:ext>
             </a:extLst>
           </p:cNvPr>
@@ -1730,7 +1730,7 @@
           <p:cNvPr id="6" name="内容占位符 5">
             <a:extLst>
               <a:ext uri="{FF2B5EF4-FFF2-40B4-BE49-F238E27FC236}">
-                <a16:creationId xmlns:a16="http://schemas.microsoft.com/office/drawing/2014/main" id="{DF307C73-B6DD-6D12-74B1-6F1FE7D89F82}"/>
+                <a16:creationId xmlns:a16="http://schemas.microsoft.com/office/drawing/2014/main" id="{67825435-9F21-F753-A819-BF69514BE692}"/>
               </a:ext>
             </a:extLst>
           </p:cNvPr>
@@ -1792,7 +1792,7 @@
           <p:cNvPr id="7" name="日期占位符 6">
             <a:extLst>
               <a:ext uri="{FF2B5EF4-FFF2-40B4-BE49-F238E27FC236}">
-                <a16:creationId xmlns:a16="http://schemas.microsoft.com/office/drawing/2014/main" id="{0CC8EB12-B427-9F5C-51D9-E96E8D198226}"/>
+                <a16:creationId xmlns:a16="http://schemas.microsoft.com/office/drawing/2014/main" id="{D791660F-0A61-9F95-4B5D-FA6FC1624EC2}"/>
               </a:ext>
             </a:extLst>
           </p:cNvPr>
@@ -1808,7 +1808,7 @@
           <a:bodyPr/>
           <a:lstStyle/>
           <a:p>
-            <a:fld id="{641A6373-1A14-455B-9F88-B347D3E42F45}" type="datetimeFigureOut">
+            <a:fld id="{430F4EDD-C4CE-4587-9973-B6B32C24CBD2}" type="datetimeFigureOut">
               <a:rPr lang="zh-CN" altLang="en-US" smtClean="0"/>
               <a:t>2024/3/10</a:t>
             </a:fld>
@@ -1821,7 +1821,7 @@
           <p:cNvPr id="8" name="页脚占位符 7">
             <a:extLst>
               <a:ext uri="{FF2B5EF4-FFF2-40B4-BE49-F238E27FC236}">
-                <a16:creationId xmlns:a16="http://schemas.microsoft.com/office/drawing/2014/main" id="{2C436966-A6C5-E98F-2BB8-C0FDBFC2918E}"/>
+                <a16:creationId xmlns:a16="http://schemas.microsoft.com/office/drawing/2014/main" id="{73C5945A-429A-36A4-9949-85D94EBE4A4B}"/>
               </a:ext>
             </a:extLst>
           </p:cNvPr>
@@ -1846,7 +1846,7 @@
           <p:cNvPr id="9" name="灯片编号占位符 8">
             <a:extLst>
               <a:ext uri="{FF2B5EF4-FFF2-40B4-BE49-F238E27FC236}">
-                <a16:creationId xmlns:a16="http://schemas.microsoft.com/office/drawing/2014/main" id="{99E3269A-7E0D-5322-4153-5DDA66133C22}"/>
+                <a16:creationId xmlns:a16="http://schemas.microsoft.com/office/drawing/2014/main" id="{FD339114-31E9-AFF5-BCCA-7205A1AA8F6F}"/>
               </a:ext>
             </a:extLst>
           </p:cNvPr>
@@ -1862,7 +1862,7 @@
           <a:bodyPr/>
           <a:lstStyle/>
           <a:p>
-            <a:fld id="{BC77F16F-1DE8-4315-875A-D8AB61DCF5CD}" type="slidenum">
+            <a:fld id="{CB7BEEB3-93AC-4DD3-9626-23FBB301927F}" type="slidenum">
               <a:rPr lang="zh-CN" altLang="en-US" smtClean="0"/>
               <a:t>‹#›</a:t>
             </a:fld>
@@ -1873,7 +1873,7 @@
     </p:spTree>
     <p:extLst>
       <p:ext uri="{BB962C8B-B14F-4D97-AF65-F5344CB8AC3E}">
-        <p14:creationId xmlns:p14="http://schemas.microsoft.com/office/powerpoint/2010/main" val="2179490323"/>
+        <p14:creationId xmlns:p14="http://schemas.microsoft.com/office/powerpoint/2010/main" val="3084251353"/>
       </p:ext>
     </p:extLst>
   </p:cSld>
@@ -1905,7 +1905,7 @@
           <p:cNvPr id="2" name="标题 1">
             <a:extLst>
               <a:ext uri="{FF2B5EF4-FFF2-40B4-BE49-F238E27FC236}">
-                <a16:creationId xmlns:a16="http://schemas.microsoft.com/office/drawing/2014/main" id="{5BBA4E6C-29D8-078F-6A77-A46751EF99AE}"/>
+                <a16:creationId xmlns:a16="http://schemas.microsoft.com/office/drawing/2014/main" id="{4C7D8DD2-BB17-035C-8475-EAE61D3899CE}"/>
               </a:ext>
             </a:extLst>
           </p:cNvPr>
@@ -1933,7 +1933,7 @@
           <p:cNvPr id="3" name="日期占位符 2">
             <a:extLst>
               <a:ext uri="{FF2B5EF4-FFF2-40B4-BE49-F238E27FC236}">
-                <a16:creationId xmlns:a16="http://schemas.microsoft.com/office/drawing/2014/main" id="{F17C97A3-A61F-171C-3426-6D927EC7524F}"/>
+                <a16:creationId xmlns:a16="http://schemas.microsoft.com/office/drawing/2014/main" id="{A9D42DDF-A4F8-D421-B058-A2FB6A554257}"/>
               </a:ext>
             </a:extLst>
           </p:cNvPr>
@@ -1949,7 +1949,7 @@
           <a:bodyPr/>
           <a:lstStyle/>
           <a:p>
-            <a:fld id="{641A6373-1A14-455B-9F88-B347D3E42F45}" type="datetimeFigureOut">
+            <a:fld id="{430F4EDD-C4CE-4587-9973-B6B32C24CBD2}" type="datetimeFigureOut">
               <a:rPr lang="zh-CN" altLang="en-US" smtClean="0"/>
               <a:t>2024/3/10</a:t>
             </a:fld>
@@ -1962,7 +1962,7 @@
           <p:cNvPr id="4" name="页脚占位符 3">
             <a:extLst>
               <a:ext uri="{FF2B5EF4-FFF2-40B4-BE49-F238E27FC236}">
-                <a16:creationId xmlns:a16="http://schemas.microsoft.com/office/drawing/2014/main" id="{BBE74260-B4BA-E7CA-590A-BBD39F3B31D9}"/>
+                <a16:creationId xmlns:a16="http://schemas.microsoft.com/office/drawing/2014/main" id="{57702717-555F-D2BB-485E-B1A48B5BBCDE}"/>
               </a:ext>
             </a:extLst>
           </p:cNvPr>
@@ -1987,7 +1987,7 @@
           <p:cNvPr id="5" name="灯片编号占位符 4">
             <a:extLst>
               <a:ext uri="{FF2B5EF4-FFF2-40B4-BE49-F238E27FC236}">
-                <a16:creationId xmlns:a16="http://schemas.microsoft.com/office/drawing/2014/main" id="{DE511AE2-512E-6423-EECC-FC610CAB4BDD}"/>
+                <a16:creationId xmlns:a16="http://schemas.microsoft.com/office/drawing/2014/main" id="{9D5C0AD2-0A3C-A13E-2B84-47DA0694B560}"/>
               </a:ext>
             </a:extLst>
           </p:cNvPr>
@@ -2003,7 +2003,7 @@
           <a:bodyPr/>
           <a:lstStyle/>
           <a:p>
-            <a:fld id="{BC77F16F-1DE8-4315-875A-D8AB61DCF5CD}" type="slidenum">
+            <a:fld id="{CB7BEEB3-93AC-4DD3-9626-23FBB301927F}" type="slidenum">
               <a:rPr lang="zh-CN" altLang="en-US" smtClean="0"/>
               <a:t>‹#›</a:t>
             </a:fld>
@@ -2014,7 +2014,7 @@
     </p:spTree>
     <p:extLst>
       <p:ext uri="{BB962C8B-B14F-4D97-AF65-F5344CB8AC3E}">
-        <p14:creationId xmlns:p14="http://schemas.microsoft.com/office/powerpoint/2010/main" val="321633085"/>
+        <p14:creationId xmlns:p14="http://schemas.microsoft.com/office/powerpoint/2010/main" val="4178716874"/>
       </p:ext>
     </p:extLst>
   </p:cSld>
@@ -2046,7 +2046,7 @@
           <p:cNvPr id="2" name="日期占位符 1">
             <a:extLst>
               <a:ext uri="{FF2B5EF4-FFF2-40B4-BE49-F238E27FC236}">
-                <a16:creationId xmlns:a16="http://schemas.microsoft.com/office/drawing/2014/main" id="{4132E0D6-0BC5-8A45-6FAD-BF956404F1DF}"/>
+                <a16:creationId xmlns:a16="http://schemas.microsoft.com/office/drawing/2014/main" id="{F123A6D4-E7F7-EE8C-17CD-277D32A7A1F2}"/>
               </a:ext>
             </a:extLst>
           </p:cNvPr>
@@ -2062,7 +2062,7 @@
           <a:bodyPr/>
           <a:lstStyle/>
           <a:p>
-            <a:fld id="{641A6373-1A14-455B-9F88-B347D3E42F45}" type="datetimeFigureOut">
+            <a:fld id="{430F4EDD-C4CE-4587-9973-B6B32C24CBD2}" type="datetimeFigureOut">
               <a:rPr lang="zh-CN" altLang="en-US" smtClean="0"/>
               <a:t>2024/3/10</a:t>
             </a:fld>
@@ -2075,7 +2075,7 @@
           <p:cNvPr id="3" name="页脚占位符 2">
             <a:extLst>
               <a:ext uri="{FF2B5EF4-FFF2-40B4-BE49-F238E27FC236}">
-                <a16:creationId xmlns:a16="http://schemas.microsoft.com/office/drawing/2014/main" id="{3508EAA6-EF6B-4428-6881-4D6BA6586BD3}"/>
+                <a16:creationId xmlns:a16="http://schemas.microsoft.com/office/drawing/2014/main" id="{E48D9070-9B53-548A-4D2D-ACEE9D04969C}"/>
               </a:ext>
             </a:extLst>
           </p:cNvPr>
@@ -2100,7 +2100,7 @@
           <p:cNvPr id="4" name="灯片编号占位符 3">
             <a:extLst>
               <a:ext uri="{FF2B5EF4-FFF2-40B4-BE49-F238E27FC236}">
-                <a16:creationId xmlns:a16="http://schemas.microsoft.com/office/drawing/2014/main" id="{35CB65F9-DAF1-DDE9-AFD9-BB3FD227D231}"/>
+                <a16:creationId xmlns:a16="http://schemas.microsoft.com/office/drawing/2014/main" id="{9E2EEC39-DFA5-C32A-A490-2773302084E0}"/>
               </a:ext>
             </a:extLst>
           </p:cNvPr>
@@ -2116,7 +2116,7 @@
           <a:bodyPr/>
           <a:lstStyle/>
           <a:p>
-            <a:fld id="{BC77F16F-1DE8-4315-875A-D8AB61DCF5CD}" type="slidenum">
+            <a:fld id="{CB7BEEB3-93AC-4DD3-9626-23FBB301927F}" type="slidenum">
               <a:rPr lang="zh-CN" altLang="en-US" smtClean="0"/>
               <a:t>‹#›</a:t>
             </a:fld>
@@ -2127,7 +2127,7 @@
     </p:spTree>
     <p:extLst>
       <p:ext uri="{BB962C8B-B14F-4D97-AF65-F5344CB8AC3E}">
-        <p14:creationId xmlns:p14="http://schemas.microsoft.com/office/powerpoint/2010/main" val="1606649646"/>
+        <p14:creationId xmlns:p14="http://schemas.microsoft.com/office/powerpoint/2010/main" val="1604210854"/>
       </p:ext>
     </p:extLst>
   </p:cSld>
@@ -2159,7 +2159,7 @@
           <p:cNvPr id="2" name="标题 1">
             <a:extLst>
               <a:ext uri="{FF2B5EF4-FFF2-40B4-BE49-F238E27FC236}">
-                <a16:creationId xmlns:a16="http://schemas.microsoft.com/office/drawing/2014/main" id="{3E50D625-FA44-AA1F-EABA-B0353B16E664}"/>
+                <a16:creationId xmlns:a16="http://schemas.microsoft.com/office/drawing/2014/main" id="{2E3A4AEC-2EA4-9DDB-2E86-DFD9A8EC5F24}"/>
               </a:ext>
             </a:extLst>
           </p:cNvPr>
@@ -2196,7 +2196,7 @@
           <p:cNvPr id="3" name="内容占位符 2">
             <a:extLst>
               <a:ext uri="{FF2B5EF4-FFF2-40B4-BE49-F238E27FC236}">
-                <a16:creationId xmlns:a16="http://schemas.microsoft.com/office/drawing/2014/main" id="{773EF403-3D6C-1AEA-5153-8086D49AA41F}"/>
+                <a16:creationId xmlns:a16="http://schemas.microsoft.com/office/drawing/2014/main" id="{BBE6D90F-6684-6BBD-844B-134692985DD7}"/>
               </a:ext>
             </a:extLst>
           </p:cNvPr>
@@ -2286,7 +2286,7 @@
           <p:cNvPr id="4" name="文本占位符 3">
             <a:extLst>
               <a:ext uri="{FF2B5EF4-FFF2-40B4-BE49-F238E27FC236}">
-                <a16:creationId xmlns:a16="http://schemas.microsoft.com/office/drawing/2014/main" id="{78E94C6C-78D3-F489-E757-A1A0A4F00894}"/>
+                <a16:creationId xmlns:a16="http://schemas.microsoft.com/office/drawing/2014/main" id="{B91F3823-EF7B-8D77-E972-2E7DB1A5C47C}"/>
               </a:ext>
             </a:extLst>
           </p:cNvPr>
@@ -2357,7 +2357,7 @@
           <p:cNvPr id="5" name="日期占位符 4">
             <a:extLst>
               <a:ext uri="{FF2B5EF4-FFF2-40B4-BE49-F238E27FC236}">
-                <a16:creationId xmlns:a16="http://schemas.microsoft.com/office/drawing/2014/main" id="{795AE659-B13A-9F9E-B714-D104C3CA6A88}"/>
+                <a16:creationId xmlns:a16="http://schemas.microsoft.com/office/drawing/2014/main" id="{96C36865-1574-A1CD-4B3E-E76E4D624FBF}"/>
               </a:ext>
             </a:extLst>
           </p:cNvPr>
@@ -2373,7 +2373,7 @@
           <a:bodyPr/>
           <a:lstStyle/>
           <a:p>
-            <a:fld id="{641A6373-1A14-455B-9F88-B347D3E42F45}" type="datetimeFigureOut">
+            <a:fld id="{430F4EDD-C4CE-4587-9973-B6B32C24CBD2}" type="datetimeFigureOut">
               <a:rPr lang="zh-CN" altLang="en-US" smtClean="0"/>
               <a:t>2024/3/10</a:t>
             </a:fld>
@@ -2386,7 +2386,7 @@
           <p:cNvPr id="6" name="页脚占位符 5">
             <a:extLst>
               <a:ext uri="{FF2B5EF4-FFF2-40B4-BE49-F238E27FC236}">
-                <a16:creationId xmlns:a16="http://schemas.microsoft.com/office/drawing/2014/main" id="{367CC4D7-8A8E-3E2E-8144-C2782B77E777}"/>
+                <a16:creationId xmlns:a16="http://schemas.microsoft.com/office/drawing/2014/main" id="{E456665B-3DA3-5892-C948-FF2711960760}"/>
               </a:ext>
             </a:extLst>
           </p:cNvPr>
@@ -2411,7 +2411,7 @@
           <p:cNvPr id="7" name="灯片编号占位符 6">
             <a:extLst>
               <a:ext uri="{FF2B5EF4-FFF2-40B4-BE49-F238E27FC236}">
-                <a16:creationId xmlns:a16="http://schemas.microsoft.com/office/drawing/2014/main" id="{8443B911-401A-D823-5988-71A0E04E5687}"/>
+                <a16:creationId xmlns:a16="http://schemas.microsoft.com/office/drawing/2014/main" id="{2FA65B8F-D9DE-0B67-87F7-0B76279EDE60}"/>
               </a:ext>
             </a:extLst>
           </p:cNvPr>
@@ -2427,7 +2427,7 @@
           <a:bodyPr/>
           <a:lstStyle/>
           <a:p>
-            <a:fld id="{BC77F16F-1DE8-4315-875A-D8AB61DCF5CD}" type="slidenum">
+            <a:fld id="{CB7BEEB3-93AC-4DD3-9626-23FBB301927F}" type="slidenum">
               <a:rPr lang="zh-CN" altLang="en-US" smtClean="0"/>
               <a:t>‹#›</a:t>
             </a:fld>
@@ -2438,7 +2438,7 @@
     </p:spTree>
     <p:extLst>
       <p:ext uri="{BB962C8B-B14F-4D97-AF65-F5344CB8AC3E}">
-        <p14:creationId xmlns:p14="http://schemas.microsoft.com/office/powerpoint/2010/main" val="1653883876"/>
+        <p14:creationId xmlns:p14="http://schemas.microsoft.com/office/powerpoint/2010/main" val="1744085505"/>
       </p:ext>
     </p:extLst>
   </p:cSld>
@@ -2470,7 +2470,7 @@
           <p:cNvPr id="2" name="标题 1">
             <a:extLst>
               <a:ext uri="{FF2B5EF4-FFF2-40B4-BE49-F238E27FC236}">
-                <a16:creationId xmlns:a16="http://schemas.microsoft.com/office/drawing/2014/main" id="{99F92A40-791C-AB6F-8D1B-36B64E58D6FD}"/>
+                <a16:creationId xmlns:a16="http://schemas.microsoft.com/office/drawing/2014/main" id="{AD886312-8AF1-EEBC-2F17-2176A944E0F1}"/>
               </a:ext>
             </a:extLst>
           </p:cNvPr>
@@ -2507,7 +2507,7 @@
           <p:cNvPr id="3" name="图片占位符 2">
             <a:extLst>
               <a:ext uri="{FF2B5EF4-FFF2-40B4-BE49-F238E27FC236}">
-                <a16:creationId xmlns:a16="http://schemas.microsoft.com/office/drawing/2014/main" id="{0E6EC193-DB6D-B1C6-97E7-6B4B52F58F53}"/>
+                <a16:creationId xmlns:a16="http://schemas.microsoft.com/office/drawing/2014/main" id="{5779C88B-C1E0-B219-FB35-F8667569E74A}"/>
               </a:ext>
             </a:extLst>
           </p:cNvPr>
@@ -2574,7 +2574,7 @@
           <p:cNvPr id="4" name="文本占位符 3">
             <a:extLst>
               <a:ext uri="{FF2B5EF4-FFF2-40B4-BE49-F238E27FC236}">
-                <a16:creationId xmlns:a16="http://schemas.microsoft.com/office/drawing/2014/main" id="{75792A80-84D8-3D5D-ADA2-E81E4FF1CC69}"/>
+                <a16:creationId xmlns:a16="http://schemas.microsoft.com/office/drawing/2014/main" id="{091D42DE-550F-B1BC-8180-9ACC447C2C2D}"/>
               </a:ext>
             </a:extLst>
           </p:cNvPr>
@@ -2645,7 +2645,7 @@
           <p:cNvPr id="5" name="日期占位符 4">
             <a:extLst>
               <a:ext uri="{FF2B5EF4-FFF2-40B4-BE49-F238E27FC236}">
-                <a16:creationId xmlns:a16="http://schemas.microsoft.com/office/drawing/2014/main" id="{AC700DA1-0D2E-E88B-1C7E-F95758A682FE}"/>
+                <a16:creationId xmlns:a16="http://schemas.microsoft.com/office/drawing/2014/main" id="{AB74293B-4A86-72C1-7AE1-FFF70A03AA32}"/>
               </a:ext>
             </a:extLst>
           </p:cNvPr>
@@ -2661,7 +2661,7 @@
           <a:bodyPr/>
           <a:lstStyle/>
           <a:p>
-            <a:fld id="{641A6373-1A14-455B-9F88-B347D3E42F45}" type="datetimeFigureOut">
+            <a:fld id="{430F4EDD-C4CE-4587-9973-B6B32C24CBD2}" type="datetimeFigureOut">
               <a:rPr lang="zh-CN" altLang="en-US" smtClean="0"/>
               <a:t>2024/3/10</a:t>
             </a:fld>
@@ -2674,7 +2674,7 @@
           <p:cNvPr id="6" name="页脚占位符 5">
             <a:extLst>
               <a:ext uri="{FF2B5EF4-FFF2-40B4-BE49-F238E27FC236}">
-                <a16:creationId xmlns:a16="http://schemas.microsoft.com/office/drawing/2014/main" id="{F39837BB-7393-EC55-5356-6856A6EE3E4A}"/>
+                <a16:creationId xmlns:a16="http://schemas.microsoft.com/office/drawing/2014/main" id="{948E30C3-F7A9-0BC6-3BEE-48184B371103}"/>
               </a:ext>
             </a:extLst>
           </p:cNvPr>
@@ -2699,7 +2699,7 @@
           <p:cNvPr id="7" name="灯片编号占位符 6">
             <a:extLst>
               <a:ext uri="{FF2B5EF4-FFF2-40B4-BE49-F238E27FC236}">
-                <a16:creationId xmlns:a16="http://schemas.microsoft.com/office/drawing/2014/main" id="{8F59F64D-87E2-AB9D-EB15-D44FFD466D5A}"/>
+                <a16:creationId xmlns:a16="http://schemas.microsoft.com/office/drawing/2014/main" id="{55F4DEB5-E729-C91B-5D79-F71209B05E89}"/>
               </a:ext>
             </a:extLst>
           </p:cNvPr>
@@ -2715,7 +2715,7 @@
           <a:bodyPr/>
           <a:lstStyle/>
           <a:p>
-            <a:fld id="{BC77F16F-1DE8-4315-875A-D8AB61DCF5CD}" type="slidenum">
+            <a:fld id="{CB7BEEB3-93AC-4DD3-9626-23FBB301927F}" type="slidenum">
               <a:rPr lang="zh-CN" altLang="en-US" smtClean="0"/>
               <a:t>‹#›</a:t>
             </a:fld>
@@ -2726,7 +2726,7 @@
     </p:spTree>
     <p:extLst>
       <p:ext uri="{BB962C8B-B14F-4D97-AF65-F5344CB8AC3E}">
-        <p14:creationId xmlns:p14="http://schemas.microsoft.com/office/powerpoint/2010/main" val="1647840789"/>
+        <p14:creationId xmlns:p14="http://schemas.microsoft.com/office/powerpoint/2010/main" val="3580980411"/>
       </p:ext>
     </p:extLst>
   </p:cSld>
@@ -2763,7 +2763,7 @@
           <p:cNvPr id="2" name="标题占位符 1">
             <a:extLst>
               <a:ext uri="{FF2B5EF4-FFF2-40B4-BE49-F238E27FC236}">
-                <a16:creationId xmlns:a16="http://schemas.microsoft.com/office/drawing/2014/main" id="{BC78CA55-750A-EEAC-4703-980018FB4B11}"/>
+                <a16:creationId xmlns:a16="http://schemas.microsoft.com/office/drawing/2014/main" id="{398F26F5-34B9-1185-A03D-C5B57EBAD9DE}"/>
               </a:ext>
             </a:extLst>
           </p:cNvPr>
@@ -2801,7 +2801,7 @@
           <p:cNvPr id="3" name="文本占位符 2">
             <a:extLst>
               <a:ext uri="{FF2B5EF4-FFF2-40B4-BE49-F238E27FC236}">
-                <a16:creationId xmlns:a16="http://schemas.microsoft.com/office/drawing/2014/main" id="{466DA90B-5AB2-CC08-1D86-0D85BABF2B96}"/>
+                <a16:creationId xmlns:a16="http://schemas.microsoft.com/office/drawing/2014/main" id="{E927E42C-DD4D-9D80-518B-47F4B36F0586}"/>
               </a:ext>
             </a:extLst>
           </p:cNvPr>
@@ -2868,7 +2868,7 @@
           <p:cNvPr id="4" name="日期占位符 3">
             <a:extLst>
               <a:ext uri="{FF2B5EF4-FFF2-40B4-BE49-F238E27FC236}">
-                <a16:creationId xmlns:a16="http://schemas.microsoft.com/office/drawing/2014/main" id="{359FC861-6A86-F176-E2ED-AFFEF55CC0F1}"/>
+                <a16:creationId xmlns:a16="http://schemas.microsoft.com/office/drawing/2014/main" id="{123336AB-A673-CE9B-86CF-B899047FA779}"/>
               </a:ext>
             </a:extLst>
           </p:cNvPr>
@@ -2902,7 +2902,7 @@
             </a:lvl1pPr>
           </a:lstStyle>
           <a:p>
-            <a:fld id="{641A6373-1A14-455B-9F88-B347D3E42F45}" type="datetimeFigureOut">
+            <a:fld id="{430F4EDD-C4CE-4587-9973-B6B32C24CBD2}" type="datetimeFigureOut">
               <a:rPr lang="zh-CN" altLang="en-US" smtClean="0"/>
               <a:t>2024/3/10</a:t>
             </a:fld>
@@ -2915,7 +2915,7 @@
           <p:cNvPr id="5" name="页脚占位符 4">
             <a:extLst>
               <a:ext uri="{FF2B5EF4-FFF2-40B4-BE49-F238E27FC236}">
-                <a16:creationId xmlns:a16="http://schemas.microsoft.com/office/drawing/2014/main" id="{FC874A16-F4D7-5ACA-A3B8-C957B02A6C38}"/>
+                <a16:creationId xmlns:a16="http://schemas.microsoft.com/office/drawing/2014/main" id="{859C832E-68DD-7004-A27E-EBDF29A9F7DC}"/>
               </a:ext>
             </a:extLst>
           </p:cNvPr>
@@ -2958,7 +2958,7 @@
           <p:cNvPr id="6" name="灯片编号占位符 5">
             <a:extLst>
               <a:ext uri="{FF2B5EF4-FFF2-40B4-BE49-F238E27FC236}">
-                <a16:creationId xmlns:a16="http://schemas.microsoft.com/office/drawing/2014/main" id="{6545A49F-AD1C-5829-D46B-70526558FA1F}"/>
+                <a16:creationId xmlns:a16="http://schemas.microsoft.com/office/drawing/2014/main" id="{B95257E5-752D-FD5E-5353-6E971376B2D9}"/>
               </a:ext>
             </a:extLst>
           </p:cNvPr>
@@ -2992,7 +2992,7 @@
             </a:lvl1pPr>
           </a:lstStyle>
           <a:p>
-            <a:fld id="{BC77F16F-1DE8-4315-875A-D8AB61DCF5CD}" type="slidenum">
+            <a:fld id="{CB7BEEB3-93AC-4DD3-9626-23FBB301927F}" type="slidenum">
               <a:rPr lang="zh-CN" altLang="en-US" smtClean="0"/>
               <a:t>‹#›</a:t>
             </a:fld>
@@ -3003,7 +3003,7 @@
     </p:spTree>
     <p:extLst>
       <p:ext uri="{BB962C8B-B14F-4D97-AF65-F5344CB8AC3E}">
-        <p14:creationId xmlns:p14="http://schemas.microsoft.com/office/powerpoint/2010/main" val="1368733456"/>
+        <p14:creationId xmlns:p14="http://schemas.microsoft.com/office/powerpoint/2010/main" val="426761818"/>
       </p:ext>
     </p:extLst>
   </p:cSld>
@@ -3323,7 +3323,7 @@
       </p:grpSpPr>
       <p:pic>
         <p:nvPicPr>
-          <p:cNvPr id="1035266" name="Picture 2" descr="1010"/>
+          <p:cNvPr id="1036290" name="Picture 2" descr="1011"/>
           <p:cNvPicPr>
             <a:picLocks noChangeAspect="1" noChangeArrowheads="1"/>
           </p:cNvPicPr>
@@ -3344,8 +3344,8 @@
         </p:blipFill>
         <p:spPr bwMode="auto">
           <a:xfrm>
-            <a:off x="1524001" y="0"/>
-            <a:ext cx="9053513" cy="6789738"/>
+            <a:off x="1524000" y="0"/>
+            <a:ext cx="9144000" cy="5949950"/>
           </a:xfrm>
           <a:prstGeom prst="rect">
             <a:avLst/>
